--- a/Iowa Liquor.pptx
+++ b/Iowa Liquor.pptx
@@ -6,8 +6,8 @@
   </p:sldMasterIdLst>
   <p:sldIdLst>
     <p:sldId id="256" r:id="rId2"/>
-    <p:sldId id="257" r:id="rId3"/>
-    <p:sldId id="258" r:id="rId4"/>
+    <p:sldId id="258" r:id="rId3"/>
+    <p:sldId id="257" r:id="rId4"/>
   </p:sldIdLst>
   <p:sldSz cx="12192000" cy="6858000"/>
   <p:notesSz cx="6858000" cy="9144000"/>
@@ -106,6 +106,11 @@
       </a:defRPr>
     </a:lvl9pPr>
   </p:defaultTextStyle>
+  <p:extLst>
+    <p:ext uri="{EFAFB233-063F-42B5-8137-9DF3F51BA10A}">
+      <p15:sldGuideLst xmlns:p15="http://schemas.microsoft.com/office/powerpoint/2012/main"/>
+    </p:ext>
+  </p:extLst>
 </p:presentation>
 </file>
 
@@ -3433,6 +3438,132 @@
 <file path=ppt/slides/slide2.xml><?xml version="1.0" encoding="utf-8"?>
 <p:sld xmlns:a="http://schemas.openxmlformats.org/drawingml/2006/main" xmlns:r="http://schemas.openxmlformats.org/officeDocument/2006/relationships" xmlns:p="http://schemas.openxmlformats.org/presentationml/2006/main">
   <p:cSld>
+    <p:spTree>
+      <p:nvGrpSpPr>
+        <p:cNvPr id="1" name=""/>
+        <p:cNvGrpSpPr/>
+        <p:nvPr/>
+      </p:nvGrpSpPr>
+      <p:grpSpPr>
+        <a:xfrm>
+          <a:off x="0" y="0"/>
+          <a:ext cx="0" cy="0"/>
+          <a:chOff x="0" y="0"/>
+          <a:chExt cx="0" cy="0"/>
+        </a:xfrm>
+      </p:grpSpPr>
+      <p:sp>
+        <p:nvSpPr>
+          <p:cNvPr id="2" name="Title 1">
+            <a:extLst>
+              <a:ext uri="{FF2B5EF4-FFF2-40B4-BE49-F238E27FC236}">
+                <a16:creationId xmlns:a16="http://schemas.microsoft.com/office/drawing/2014/main" id="{5983D35A-9AC1-4E1F-A68B-D57F1471EE1E}"/>
+              </a:ext>
+            </a:extLst>
+          </p:cNvPr>
+          <p:cNvSpPr>
+            <a:spLocks noGrp="1"/>
+          </p:cNvSpPr>
+          <p:nvPr>
+            <p:ph type="title"/>
+          </p:nvPr>
+        </p:nvSpPr>
+        <p:spPr/>
+        <p:txBody>
+          <a:bodyPr/>
+          <a:lstStyle/>
+          <a:p>
+            <a:endParaRPr lang="en-US"/>
+          </a:p>
+        </p:txBody>
+      </p:sp>
+      <p:pic>
+        <p:nvPicPr>
+          <p:cNvPr id="5" name="Content Placeholder 4" descr="A screenshot of a cell phone&#10;&#10;Description automatically generated">
+            <a:extLst>
+              <a:ext uri="{FF2B5EF4-FFF2-40B4-BE49-F238E27FC236}">
+                <a16:creationId xmlns:a16="http://schemas.microsoft.com/office/drawing/2014/main" id="{5A7DB99B-D5A8-47CB-9E15-98736EA5EBA4}"/>
+              </a:ext>
+            </a:extLst>
+          </p:cNvPr>
+          <p:cNvPicPr>
+            <a:picLocks noGrp="1" noChangeAspect="1"/>
+          </p:cNvPicPr>
+          <p:nvPr>
+            <p:ph idx="1"/>
+          </p:nvPr>
+        </p:nvPicPr>
+        <p:blipFill>
+          <a:blip r:embed="rId2">
+            <a:extLst>
+              <a:ext uri="{28A0092B-C50C-407E-A947-70E740481C1C}">
+                <a14:useLocalDpi xmlns:a14="http://schemas.microsoft.com/office/drawing/2010/main" val="0"/>
+              </a:ext>
+            </a:extLst>
+          </a:blip>
+          <a:stretch>
+            <a:fillRect/>
+          </a:stretch>
+        </p:blipFill>
+        <p:spPr>
+          <a:xfrm>
+            <a:off x="27427" y="2014315"/>
+            <a:ext cx="5943527" cy="4542793"/>
+          </a:xfrm>
+        </p:spPr>
+      </p:pic>
+      <p:pic>
+        <p:nvPicPr>
+          <p:cNvPr id="7" name="Picture 6" descr="A close up of a map&#10;&#10;Description automatically generated">
+            <a:extLst>
+              <a:ext uri="{FF2B5EF4-FFF2-40B4-BE49-F238E27FC236}">
+                <a16:creationId xmlns:a16="http://schemas.microsoft.com/office/drawing/2014/main" id="{6A66F6FE-77B6-4B06-BD09-DF982F1CE9A6}"/>
+              </a:ext>
+            </a:extLst>
+          </p:cNvPr>
+          <p:cNvPicPr>
+            <a:picLocks noChangeAspect="1"/>
+          </p:cNvPicPr>
+          <p:nvPr/>
+        </p:nvPicPr>
+        <p:blipFill>
+          <a:blip r:embed="rId3">
+            <a:extLst>
+              <a:ext uri="{28A0092B-C50C-407E-A947-70E740481C1C}">
+                <a14:useLocalDpi xmlns:a14="http://schemas.microsoft.com/office/drawing/2010/main" val="0"/>
+              </a:ext>
+            </a:extLst>
+          </a:blip>
+          <a:stretch>
+            <a:fillRect/>
+          </a:stretch>
+        </p:blipFill>
+        <p:spPr>
+          <a:xfrm>
+            <a:off x="6096000" y="2004289"/>
+            <a:ext cx="5850599" cy="4552819"/>
+          </a:xfrm>
+          <a:prstGeom prst="rect">
+            <a:avLst/>
+          </a:prstGeom>
+        </p:spPr>
+      </p:pic>
+    </p:spTree>
+    <p:extLst>
+      <p:ext uri="{BB962C8B-B14F-4D97-AF65-F5344CB8AC3E}">
+        <p14:creationId xmlns:p14="http://schemas.microsoft.com/office/powerpoint/2010/main" val="4055564358"/>
+      </p:ext>
+    </p:extLst>
+  </p:cSld>
+  <p:clrMapOvr>
+    <a:masterClrMapping/>
+  </p:clrMapOvr>
+</p:sld>
+</file>
+
+<file path=ppt/slides/slide3.xml><?xml version="1.0" encoding="utf-8"?>
+<p:sld xmlns:a="http://schemas.openxmlformats.org/drawingml/2006/main" xmlns:r="http://schemas.openxmlformats.org/officeDocument/2006/relationships" xmlns:p="http://schemas.openxmlformats.org/presentationml/2006/main">
+  <p:cSld>
     <p:bg>
       <p:bgPr>
         <a:solidFill>
@@ -3519,132 +3650,6 @@
     <p:extLst>
       <p:ext uri="{BB962C8B-B14F-4D97-AF65-F5344CB8AC3E}">
         <p14:creationId xmlns:p14="http://schemas.microsoft.com/office/powerpoint/2010/main" val="553843531"/>
-      </p:ext>
-    </p:extLst>
-  </p:cSld>
-  <p:clrMapOvr>
-    <a:masterClrMapping/>
-  </p:clrMapOvr>
-</p:sld>
-</file>
-
-<file path=ppt/slides/slide3.xml><?xml version="1.0" encoding="utf-8"?>
-<p:sld xmlns:a="http://schemas.openxmlformats.org/drawingml/2006/main" xmlns:r="http://schemas.openxmlformats.org/officeDocument/2006/relationships" xmlns:p="http://schemas.openxmlformats.org/presentationml/2006/main">
-  <p:cSld>
-    <p:spTree>
-      <p:nvGrpSpPr>
-        <p:cNvPr id="1" name=""/>
-        <p:cNvGrpSpPr/>
-        <p:nvPr/>
-      </p:nvGrpSpPr>
-      <p:grpSpPr>
-        <a:xfrm>
-          <a:off x="0" y="0"/>
-          <a:ext cx="0" cy="0"/>
-          <a:chOff x="0" y="0"/>
-          <a:chExt cx="0" cy="0"/>
-        </a:xfrm>
-      </p:grpSpPr>
-      <p:sp>
-        <p:nvSpPr>
-          <p:cNvPr id="2" name="Title 1">
-            <a:extLst>
-              <a:ext uri="{FF2B5EF4-FFF2-40B4-BE49-F238E27FC236}">
-                <a16:creationId xmlns:a16="http://schemas.microsoft.com/office/drawing/2014/main" id="{5983D35A-9AC1-4E1F-A68B-D57F1471EE1E}"/>
-              </a:ext>
-            </a:extLst>
-          </p:cNvPr>
-          <p:cNvSpPr>
-            <a:spLocks noGrp="1"/>
-          </p:cNvSpPr>
-          <p:nvPr>
-            <p:ph type="title"/>
-          </p:nvPr>
-        </p:nvSpPr>
-        <p:spPr/>
-        <p:txBody>
-          <a:bodyPr/>
-          <a:lstStyle/>
-          <a:p>
-            <a:endParaRPr lang="en-US"/>
-          </a:p>
-        </p:txBody>
-      </p:sp>
-      <p:pic>
-        <p:nvPicPr>
-          <p:cNvPr id="5" name="Content Placeholder 4" descr="A screenshot of a cell phone&#10;&#10;Description automatically generated">
-            <a:extLst>
-              <a:ext uri="{FF2B5EF4-FFF2-40B4-BE49-F238E27FC236}">
-                <a16:creationId xmlns:a16="http://schemas.microsoft.com/office/drawing/2014/main" id="{5A7DB99B-D5A8-47CB-9E15-98736EA5EBA4}"/>
-              </a:ext>
-            </a:extLst>
-          </p:cNvPr>
-          <p:cNvPicPr>
-            <a:picLocks noGrp="1" noChangeAspect="1"/>
-          </p:cNvPicPr>
-          <p:nvPr>
-            <p:ph idx="1"/>
-          </p:nvPr>
-        </p:nvPicPr>
-        <p:blipFill>
-          <a:blip r:embed="rId2">
-            <a:extLst>
-              <a:ext uri="{28A0092B-C50C-407E-A947-70E740481C1C}">
-                <a14:useLocalDpi xmlns:a14="http://schemas.microsoft.com/office/drawing/2010/main" val="0"/>
-              </a:ext>
-            </a:extLst>
-          </a:blip>
-          <a:stretch>
-            <a:fillRect/>
-          </a:stretch>
-        </p:blipFill>
-        <p:spPr>
-          <a:xfrm>
-            <a:off x="27427" y="2014315"/>
-            <a:ext cx="5943527" cy="4542793"/>
-          </a:xfrm>
-        </p:spPr>
-      </p:pic>
-      <p:pic>
-        <p:nvPicPr>
-          <p:cNvPr id="7" name="Picture 6" descr="A close up of a map&#10;&#10;Description automatically generated">
-            <a:extLst>
-              <a:ext uri="{FF2B5EF4-FFF2-40B4-BE49-F238E27FC236}">
-                <a16:creationId xmlns:a16="http://schemas.microsoft.com/office/drawing/2014/main" id="{6A66F6FE-77B6-4B06-BD09-DF982F1CE9A6}"/>
-              </a:ext>
-            </a:extLst>
-          </p:cNvPr>
-          <p:cNvPicPr>
-            <a:picLocks noChangeAspect="1"/>
-          </p:cNvPicPr>
-          <p:nvPr/>
-        </p:nvPicPr>
-        <p:blipFill>
-          <a:blip r:embed="rId3">
-            <a:extLst>
-              <a:ext uri="{28A0092B-C50C-407E-A947-70E740481C1C}">
-                <a14:useLocalDpi xmlns:a14="http://schemas.microsoft.com/office/drawing/2010/main" val="0"/>
-              </a:ext>
-            </a:extLst>
-          </a:blip>
-          <a:stretch>
-            <a:fillRect/>
-          </a:stretch>
-        </p:blipFill>
-        <p:spPr>
-          <a:xfrm>
-            <a:off x="6096000" y="2004289"/>
-            <a:ext cx="5850599" cy="4552819"/>
-          </a:xfrm>
-          <a:prstGeom prst="rect">
-            <a:avLst/>
-          </a:prstGeom>
-        </p:spPr>
-      </p:pic>
-    </p:spTree>
-    <p:extLst>
-      <p:ext uri="{BB962C8B-B14F-4D97-AF65-F5344CB8AC3E}">
-        <p14:creationId xmlns:p14="http://schemas.microsoft.com/office/powerpoint/2010/main" val="4055564358"/>
       </p:ext>
     </p:extLst>
   </p:cSld>
